--- a/Slides/Tutorial 1 - GCN.pptx
+++ b/Slides/Tutorial 1 - GCN.pptx
@@ -203,7 +203,7 @@
           <a:p>
             <a:fld id="{07DEB93C-A994-457B-86BD-B16219E31EA6}" type="datetimeFigureOut">
               <a:rPr lang="en-US" smtClean="0"/>
-              <a:t>12/10/2022</a:t>
+              <a:t>12/11/2022</a:t>
             </a:fld>
             <a:endParaRPr lang="en-US"/>
           </a:p>
@@ -714,7 +714,7 @@
           <a:p>
             <a:fld id="{9184DA70-C731-4C70-880D-CCD4705E623C}" type="datetime1">
               <a:rPr lang="en-US" smtClean="0"/>
-              <a:t>12/10/2022</a:t>
+              <a:t>12/11/2022</a:t>
             </a:fld>
             <a:endParaRPr lang="en-US" dirty="0"/>
           </a:p>
@@ -902,7 +902,7 @@
           <a:p>
             <a:fld id="{4BE1D723-8F53-4F53-90B0-1982A396982E}" type="datetime1">
               <a:rPr lang="en-US" smtClean="0"/>
-              <a:t>12/10/2022</a:t>
+              <a:t>12/11/2022</a:t>
             </a:fld>
             <a:endParaRPr lang="en-US" dirty="0"/>
           </a:p>
@@ -1275,7 +1275,7 @@
           <a:p>
             <a:fld id="{97669AF7-7BEB-44E4-9852-375E34362B5B}" type="datetime1">
               <a:rPr lang="en-US" smtClean="0"/>
-              <a:t>12/10/2022</a:t>
+              <a:t>12/11/2022</a:t>
             </a:fld>
             <a:endParaRPr lang="en-US" dirty="0"/>
           </a:p>
@@ -1530,7 +1530,7 @@
           <a:p>
             <a:fld id="{BAAAC38D-0552-4C82-B593-E6124DFADBE2}" type="datetime1">
               <a:rPr lang="en-US" smtClean="0"/>
-              <a:t>12/10/2022</a:t>
+              <a:t>12/11/2022</a:t>
             </a:fld>
             <a:endParaRPr lang="en-US" dirty="0"/>
           </a:p>
@@ -1927,7 +1927,7 @@
           <a:p>
             <a:fld id="{D9DF0F1C-5577-4ACB-BB62-DF8F3C494C7E}" type="datetime1">
               <a:rPr lang="en-US" smtClean="0"/>
-              <a:t>12/10/2022</a:t>
+              <a:t>12/11/2022</a:t>
             </a:fld>
             <a:endParaRPr lang="en-US" dirty="0"/>
           </a:p>
@@ -2063,7 +2063,7 @@
           <a:p>
             <a:fld id="{1775B394-D9F9-4F0C-B15D-605F45CB9E9F}" type="datetime1">
               <a:rPr lang="en-US" smtClean="0"/>
-              <a:t>12/10/2022</a:t>
+              <a:t>12/11/2022</a:t>
             </a:fld>
             <a:endParaRPr lang="en-US" dirty="0"/>
           </a:p>
@@ -2220,7 +2220,7 @@
           <a:p>
             <a:fld id="{39667345-2558-425A-8533-9BFDBCE15005}" type="datetime1">
               <a:rPr lang="en-US" smtClean="0"/>
-              <a:t>12/10/2022</a:t>
+              <a:t>12/11/2022</a:t>
             </a:fld>
             <a:endParaRPr lang="en-US" dirty="0"/>
           </a:p>
@@ -2549,7 +2549,7 @@
           <a:p>
             <a:fld id="{92BEA474-078D-4E9B-9B14-09A87B19DC46}" type="datetime1">
               <a:rPr lang="en-US" smtClean="0"/>
-              <a:t>12/10/2022</a:t>
+              <a:t>12/11/2022</a:t>
             </a:fld>
             <a:endParaRPr lang="en-US" dirty="0"/>
           </a:p>
@@ -2899,7 +2899,7 @@
           <a:p>
             <a:fld id="{4907D986-8816-4272-A432-0437A28A9828}" type="datetime1">
               <a:rPr lang="en-US" smtClean="0"/>
-              <a:t>12/10/2022</a:t>
+              <a:t>12/11/2022</a:t>
             </a:fld>
             <a:endParaRPr lang="en-US" dirty="0"/>
           </a:p>
@@ -3160,7 +3160,7 @@
           <a:p>
             <a:fld id="{62D6E202-B606-4609-B914-27C9371A1F6D}" type="datetime1">
               <a:rPr lang="en-US" smtClean="0"/>
-              <a:t>12/10/2022</a:t>
+              <a:t>12/11/2022</a:t>
             </a:fld>
             <a:endParaRPr lang="en-US" dirty="0"/>
           </a:p>
@@ -4364,8 +4364,8 @@
           </a:p>
         </p:txBody>
       </p:sp>
-      <mc:AlternateContent xmlns:mc="http://schemas.openxmlformats.org/markup-compatibility/2006">
-        <mc:Choice xmlns:a14="http://schemas.microsoft.com/office/drawing/2010/main" Requires="a14">
+      <mc:AlternateContent xmlns:mc="http://schemas.openxmlformats.org/markup-compatibility/2006" xmlns:a14="http://schemas.microsoft.com/office/drawing/2010/main">
+        <mc:Choice Requires="a14">
           <p:sp>
             <p:nvSpPr>
               <p:cNvPr id="4" name="TextBox 3">
@@ -4425,7 +4425,9 @@
                       <m:t> =</m:t>
                     </m:r>
                     <m:r>
-                      <a:rPr lang="en-US" i="1"/>
+                      <a:rPr lang="en-US" i="1">
+                        <a:latin typeface="Cambria Math" panose="02040503050406030204" pitchFamily="18" charset="0"/>
+                      </a:rPr>
                       <m:t>𝜎</m:t>
                     </m:r>
                     <m:r>
@@ -4805,7 +4807,7 @@
             </p:txBody>
           </p:sp>
         </mc:Choice>
-        <mc:Fallback>
+        <mc:Fallback xmlns="">
           <p:sp>
             <p:nvSpPr>
               <p:cNvPr id="4" name="TextBox 3">
@@ -4908,8 +4910,8 @@
           </a:p>
         </p:txBody>
       </p:sp>
-      <mc:AlternateContent xmlns:mc="http://schemas.openxmlformats.org/markup-compatibility/2006">
-        <mc:Choice xmlns:a14="http://schemas.microsoft.com/office/drawing/2010/main" Requires="a14">
+      <mc:AlternateContent xmlns:mc="http://schemas.openxmlformats.org/markup-compatibility/2006" xmlns:a14="http://schemas.microsoft.com/office/drawing/2010/main">
+        <mc:Choice Requires="a14">
           <p:sp>
             <p:nvSpPr>
               <p:cNvPr id="4" name="TextBox 3">
@@ -5460,7 +5462,7 @@
             </p:txBody>
           </p:sp>
         </mc:Choice>
-        <mc:Fallback>
+        <mc:Fallback xmlns="">
           <p:sp>
             <p:nvSpPr>
               <p:cNvPr id="4" name="TextBox 3">
@@ -5623,8 +5625,8 @@
           </a:p>
         </p:txBody>
       </p:sp>
-      <mc:AlternateContent xmlns:mc="http://schemas.openxmlformats.org/markup-compatibility/2006">
-        <mc:Choice xmlns:a14="http://schemas.microsoft.com/office/drawing/2010/main" Requires="a14">
+      <mc:AlternateContent xmlns:mc="http://schemas.openxmlformats.org/markup-compatibility/2006" xmlns:a14="http://schemas.microsoft.com/office/drawing/2010/main">
+        <mc:Choice Requires="a14">
           <p:sp>
             <p:nvSpPr>
               <p:cNvPr id="3" name="TextBox 2">
@@ -6211,7 +6213,7 @@
             </p:txBody>
           </p:sp>
         </mc:Choice>
-        <mc:Fallback>
+        <mc:Fallback xmlns="">
           <p:sp>
             <p:nvSpPr>
               <p:cNvPr id="3" name="TextBox 2">
@@ -6238,6 +6240,304 @@
                 <a:blip r:embed="rId2"/>
                 <a:stretch>
                   <a:fillRect l="-479" t="-1117"/>
+                </a:stretch>
+              </a:blipFill>
+            </p:spPr>
+            <p:txBody>
+              <a:bodyPr/>
+              <a:lstStyle/>
+              <a:p>
+                <a:r>
+                  <a:rPr lang="en-US">
+                    <a:noFill/>
+                  </a:rPr>
+                  <a:t> </a:t>
+                </a:r>
+              </a:p>
+            </p:txBody>
+          </p:sp>
+        </mc:Fallback>
+      </mc:AlternateContent>
+      <mc:AlternateContent xmlns:mc="http://schemas.openxmlformats.org/markup-compatibility/2006">
+        <mc:Choice xmlns:a14="http://schemas.microsoft.com/office/drawing/2010/main" Requires="a14">
+          <p:sp>
+            <p:nvSpPr>
+              <p:cNvPr id="5" name="TextBox 4">
+                <a:extLst>
+                  <a:ext uri="{FF2B5EF4-FFF2-40B4-BE49-F238E27FC236}">
+                    <a16:creationId xmlns:a16="http://schemas.microsoft.com/office/drawing/2014/main" id="{5794288A-40C8-BDB1-859F-44A51002C7D3}"/>
+                  </a:ext>
+                </a:extLst>
+              </p:cNvPr>
+              <p:cNvSpPr txBox="1"/>
+              <p:nvPr/>
+            </p:nvSpPr>
+            <p:spPr>
+              <a:xfrm>
+                <a:off x="843280" y="4111084"/>
+                <a:ext cx="6096000" cy="596830"/>
+              </a:xfrm>
+              <a:prstGeom prst="rect">
+                <a:avLst/>
+              </a:prstGeom>
+              <a:noFill/>
+            </p:spPr>
+            <p:txBody>
+              <a:bodyPr wrap="square">
+                <a:spAutoFit/>
+              </a:bodyPr>
+              <a:lstStyle/>
+              <a:p>
+                <a14:m>
+                  <m:oMath xmlns:m="http://schemas.openxmlformats.org/officeDocument/2006/math">
+                    <m:r>
+                      <a:rPr lang="en-US" sz="2400" i="1" smtClean="0">
+                        <a:effectLst/>
+                        <a:latin typeface="Cambria Math" panose="02040503050406030204" pitchFamily="18" charset="0"/>
+                        <a:ea typeface="Times New Roman" panose="02020603050405020304" pitchFamily="18" charset="0"/>
+                        <a:cs typeface="Times New Roman" panose="02020603050405020304" pitchFamily="18" charset="0"/>
+                      </a:rPr>
+                      <m:t>𝐻</m:t>
+                    </m:r>
+                    <m:r>
+                      <a:rPr lang="en-US" sz="2400" i="1" smtClean="0">
+                        <a:effectLst/>
+                        <a:latin typeface="Cambria Math" panose="02040503050406030204" pitchFamily="18" charset="0"/>
+                        <a:ea typeface="Times New Roman" panose="02020603050405020304" pitchFamily="18" charset="0"/>
+                        <a:cs typeface="Times New Roman" panose="02020603050405020304" pitchFamily="18" charset="0"/>
+                      </a:rPr>
+                      <m:t> = </m:t>
+                    </m:r>
+                    <m:r>
+                      <a:rPr lang="en-US" sz="2400" i="1" smtClean="0">
+                        <a:effectLst/>
+                        <a:latin typeface="Cambria Math" panose="02040503050406030204" pitchFamily="18" charset="0"/>
+                        <a:ea typeface="Times New Roman" panose="02020603050405020304" pitchFamily="18" charset="0"/>
+                        <a:cs typeface="Times New Roman" panose="02020603050405020304" pitchFamily="18" charset="0"/>
+                      </a:rPr>
+                      <m:t>𝜎</m:t>
+                    </m:r>
+                    <m:r>
+                      <a:rPr lang="en-US" sz="2400" i="1" smtClean="0">
+                        <a:effectLst/>
+                        <a:latin typeface="Cambria Math" panose="02040503050406030204" pitchFamily="18" charset="0"/>
+                        <a:ea typeface="Times New Roman" panose="02020603050405020304" pitchFamily="18" charset="0"/>
+                        <a:cs typeface="Times New Roman" panose="02020603050405020304" pitchFamily="18" charset="0"/>
+                      </a:rPr>
+                      <m:t> ( </m:t>
+                    </m:r>
+                    <m:sSup>
+                      <m:sSupPr>
+                        <m:ctrlPr>
+                          <a:rPr lang="en-US" sz="2400" i="1">
+                            <a:effectLst/>
+                            <a:latin typeface="Cambria Math" panose="02040503050406030204" pitchFamily="18" charset="0"/>
+                            <a:ea typeface="Times New Roman" panose="02020603050405020304" pitchFamily="18" charset="0"/>
+                            <a:cs typeface="Times New Roman" panose="02020603050405020304" pitchFamily="18" charset="0"/>
+                          </a:rPr>
+                        </m:ctrlPr>
+                      </m:sSupPr>
+                      <m:e>
+                        <m:r>
+                          <a:rPr lang="en-US" sz="2400" i="1">
+                            <a:effectLst/>
+                            <a:latin typeface="Cambria Math" panose="02040503050406030204" pitchFamily="18" charset="0"/>
+                            <a:ea typeface="Times New Roman" panose="02020603050405020304" pitchFamily="18" charset="0"/>
+                            <a:cs typeface="Times New Roman" panose="02020603050405020304" pitchFamily="18" charset="0"/>
+                          </a:rPr>
+                          <m:t>𝐷</m:t>
+                        </m:r>
+                      </m:e>
+                      <m:sup>
+                        <m:f>
+                          <m:fPr>
+                            <m:ctrlPr>
+                              <a:rPr lang="en-US" sz="2400" i="1">
+                                <a:effectLst/>
+                                <a:latin typeface="Cambria Math" panose="02040503050406030204" pitchFamily="18" charset="0"/>
+                                <a:ea typeface="Times New Roman" panose="02020603050405020304" pitchFamily="18" charset="0"/>
+                                <a:cs typeface="Times New Roman" panose="02020603050405020304" pitchFamily="18" charset="0"/>
+                              </a:rPr>
+                            </m:ctrlPr>
+                          </m:fPr>
+                          <m:num>
+                            <m:r>
+                              <a:rPr lang="en-US" sz="2400" i="1">
+                                <a:effectLst/>
+                                <a:latin typeface="Cambria Math" panose="02040503050406030204" pitchFamily="18" charset="0"/>
+                                <a:ea typeface="Times New Roman" panose="02020603050405020304" pitchFamily="18" charset="0"/>
+                                <a:cs typeface="Times New Roman" panose="02020603050405020304" pitchFamily="18" charset="0"/>
+                              </a:rPr>
+                              <m:t>−1</m:t>
+                            </m:r>
+                          </m:num>
+                          <m:den>
+                            <m:r>
+                              <a:rPr lang="en-US" sz="2400" i="1">
+                                <a:effectLst/>
+                                <a:latin typeface="Cambria Math" panose="02040503050406030204" pitchFamily="18" charset="0"/>
+                                <a:ea typeface="Times New Roman" panose="02020603050405020304" pitchFamily="18" charset="0"/>
+                                <a:cs typeface="Times New Roman" panose="02020603050405020304" pitchFamily="18" charset="0"/>
+                              </a:rPr>
+                              <m:t>2</m:t>
+                            </m:r>
+                          </m:den>
+                        </m:f>
+                      </m:sup>
+                    </m:sSup>
+                    <m:sSup>
+                      <m:sSupPr>
+                        <m:ctrlPr>
+                          <a:rPr lang="en-US" sz="2400" i="1">
+                            <a:effectLst/>
+                            <a:latin typeface="Cambria Math" panose="02040503050406030204" pitchFamily="18" charset="0"/>
+                            <a:ea typeface="Times New Roman" panose="02020603050405020304" pitchFamily="18" charset="0"/>
+                            <a:cs typeface="Times New Roman" panose="02020603050405020304" pitchFamily="18" charset="0"/>
+                          </a:rPr>
+                        </m:ctrlPr>
+                      </m:sSupPr>
+                      <m:e>
+                        <m:r>
+                          <a:rPr lang="en-US" sz="2400" i="1">
+                            <a:effectLst/>
+                            <a:latin typeface="Cambria Math" panose="02040503050406030204" pitchFamily="18" charset="0"/>
+                            <a:ea typeface="Times New Roman" panose="02020603050405020304" pitchFamily="18" charset="0"/>
+                            <a:cs typeface="Times New Roman" panose="02020603050405020304" pitchFamily="18" charset="0"/>
+                          </a:rPr>
+                          <m:t>𝐴</m:t>
+                        </m:r>
+                      </m:e>
+                      <m:sup>
+                        <m:r>
+                          <a:rPr lang="en-US" sz="2400" i="1">
+                            <a:effectLst/>
+                            <a:latin typeface="Cambria Math" panose="02040503050406030204" pitchFamily="18" charset="0"/>
+                            <a:ea typeface="Times New Roman" panose="02020603050405020304" pitchFamily="18" charset="0"/>
+                            <a:cs typeface="Times New Roman" panose="02020603050405020304" pitchFamily="18" charset="0"/>
+                          </a:rPr>
+                          <m:t>∗</m:t>
+                        </m:r>
+                      </m:sup>
+                    </m:sSup>
+                    <m:sSup>
+                      <m:sSupPr>
+                        <m:ctrlPr>
+                          <a:rPr lang="en-US" sz="2400" i="1">
+                            <a:effectLst/>
+                            <a:latin typeface="Cambria Math" panose="02040503050406030204" pitchFamily="18" charset="0"/>
+                            <a:ea typeface="Times New Roman" panose="02020603050405020304" pitchFamily="18" charset="0"/>
+                            <a:cs typeface="Times New Roman" panose="02020603050405020304" pitchFamily="18" charset="0"/>
+                          </a:rPr>
+                        </m:ctrlPr>
+                      </m:sSupPr>
+                      <m:e>
+                        <m:r>
+                          <a:rPr lang="en-US" sz="2400" i="1">
+                            <a:effectLst/>
+                            <a:latin typeface="Cambria Math" panose="02040503050406030204" pitchFamily="18" charset="0"/>
+                            <a:ea typeface="Times New Roman" panose="02020603050405020304" pitchFamily="18" charset="0"/>
+                            <a:cs typeface="Times New Roman" panose="02020603050405020304" pitchFamily="18" charset="0"/>
+                          </a:rPr>
+                          <m:t>𝐷</m:t>
+                        </m:r>
+                      </m:e>
+                      <m:sup>
+                        <m:f>
+                          <m:fPr>
+                            <m:ctrlPr>
+                              <a:rPr lang="en-US" sz="2400" i="1">
+                                <a:effectLst/>
+                                <a:latin typeface="Cambria Math" panose="02040503050406030204" pitchFamily="18" charset="0"/>
+                                <a:ea typeface="Times New Roman" panose="02020603050405020304" pitchFamily="18" charset="0"/>
+                                <a:cs typeface="Times New Roman" panose="02020603050405020304" pitchFamily="18" charset="0"/>
+                              </a:rPr>
+                            </m:ctrlPr>
+                          </m:fPr>
+                          <m:num>
+                            <m:r>
+                              <a:rPr lang="en-US" sz="2400" i="1">
+                                <a:effectLst/>
+                                <a:latin typeface="Cambria Math" panose="02040503050406030204" pitchFamily="18" charset="0"/>
+                                <a:ea typeface="Times New Roman" panose="02020603050405020304" pitchFamily="18" charset="0"/>
+                                <a:cs typeface="Times New Roman" panose="02020603050405020304" pitchFamily="18" charset="0"/>
+                              </a:rPr>
+                              <m:t>−1</m:t>
+                            </m:r>
+                          </m:num>
+                          <m:den>
+                            <m:r>
+                              <a:rPr lang="en-US" sz="2400" i="1">
+                                <a:effectLst/>
+                                <a:latin typeface="Cambria Math" panose="02040503050406030204" pitchFamily="18" charset="0"/>
+                                <a:ea typeface="Times New Roman" panose="02020603050405020304" pitchFamily="18" charset="0"/>
+                                <a:cs typeface="Times New Roman" panose="02020603050405020304" pitchFamily="18" charset="0"/>
+                              </a:rPr>
+                              <m:t>2</m:t>
+                            </m:r>
+                          </m:den>
+                        </m:f>
+                      </m:sup>
+                    </m:sSup>
+                    <m:r>
+                      <a:rPr lang="en-US" sz="2400" i="1">
+                        <a:effectLst/>
+                        <a:latin typeface="Cambria Math" panose="02040503050406030204" pitchFamily="18" charset="0"/>
+                        <a:ea typeface="Times New Roman" panose="02020603050405020304" pitchFamily="18" charset="0"/>
+                        <a:cs typeface="Times New Roman" panose="02020603050405020304" pitchFamily="18" charset="0"/>
+                      </a:rPr>
+                      <m:t>𝑋𝑊</m:t>
+                    </m:r>
+                    <m:r>
+                      <a:rPr lang="en-US" sz="2400" i="1">
+                        <a:effectLst/>
+                        <a:latin typeface="Cambria Math" panose="02040503050406030204" pitchFamily="18" charset="0"/>
+                        <a:ea typeface="Times New Roman" panose="02020603050405020304" pitchFamily="18" charset="0"/>
+                        <a:cs typeface="Times New Roman" panose="02020603050405020304" pitchFamily="18" charset="0"/>
+                      </a:rPr>
+                      <m:t>)</m:t>
+                    </m:r>
+                  </m:oMath>
+                </a14:m>
+                <a:r>
+                  <a:rPr lang="en-US" sz="2400" dirty="0">
+                    <a:latin typeface="Calibri" panose="020F0502020204030204" pitchFamily="34" charset="0"/>
+                    <a:ea typeface="Calibri" panose="020F0502020204030204" pitchFamily="34" charset="0"/>
+                    <a:cs typeface="Times New Roman" panose="02020603050405020304" pitchFamily="18" charset="0"/>
+                  </a:rPr>
+                  <a:t> </a:t>
+                </a:r>
+                <a:endParaRPr lang="en-US" sz="2400" dirty="0"/>
+              </a:p>
+            </p:txBody>
+          </p:sp>
+        </mc:Choice>
+        <mc:Fallback>
+          <p:sp>
+            <p:nvSpPr>
+              <p:cNvPr id="5" name="TextBox 4">
+                <a:extLst>
+                  <a:ext uri="{FF2B5EF4-FFF2-40B4-BE49-F238E27FC236}">
+                    <a16:creationId xmlns:a16="http://schemas.microsoft.com/office/drawing/2014/main" id="{5794288A-40C8-BDB1-859F-44A51002C7D3}"/>
+                  </a:ext>
+                </a:extLst>
+              </p:cNvPr>
+              <p:cNvSpPr txBox="1">
+                <a:spLocks noRot="1" noChangeAspect="1" noMove="1" noResize="1" noEditPoints="1" noAdjustHandles="1" noChangeArrowheads="1" noChangeShapeType="1" noTextEdit="1"/>
+              </p:cNvSpPr>
+              <p:nvPr/>
+            </p:nvSpPr>
+            <p:spPr>
+              <a:xfrm>
+                <a:off x="843280" y="4111084"/>
+                <a:ext cx="6096000" cy="596830"/>
+              </a:xfrm>
+              <a:prstGeom prst="rect">
+                <a:avLst/>
+              </a:prstGeom>
+              <a:blipFill>
+                <a:blip r:embed="rId3"/>
+                <a:stretch>
+                  <a:fillRect/>
                 </a:stretch>
               </a:blipFill>
             </p:spPr>
@@ -6891,6 +7191,24 @@
 </file>
 
 <file path=customXml/item1.xml><?xml version="1.0" encoding="utf-8"?>
+<?mso-contentType ?>
+<FormTemplates xmlns="http://schemas.microsoft.com/sharepoint/v3/contenttype/forms">
+  <Display>DocumentLibraryForm</Display>
+  <Edit>DocumentLibraryForm</Edit>
+  <New>DocumentLibraryForm</New>
+</FormTemplates>
+</file>
+
+<file path=customXml/item2.xml><?xml version="1.0" encoding="utf-8"?>
+<p:properties xmlns:p="http://schemas.microsoft.com/office/2006/metadata/properties" xmlns:xsi="http://www.w3.org/2001/XMLSchema-instance" xmlns:pc="http://schemas.microsoft.com/office/infopath/2007/PartnerControls">
+  <documentManagement>
+    <Status xmlns="71af3243-3dd4-4a8d-8c0d-dd76da1f02a5">Not started</Status>
+    <MediaServiceKeyPoints xmlns="71af3243-3dd4-4a8d-8c0d-dd76da1f02a5" xsi:nil="true"/>
+  </documentManagement>
+</p:properties>
+</file>
+
+<file path=customXml/item3.xml><?xml version="1.0" encoding="utf-8"?>
 <ct:contentTypeSchema xmlns:ct="http://schemas.microsoft.com/office/2006/metadata/contentType" xmlns:ma="http://schemas.microsoft.com/office/2006/metadata/properties/metaAttributes" ct:_="" ma:_="" ma:contentTypeName="Document" ma:contentTypeID="0x01010079F111ED35F8CC479449609E8A0923A6" ma:contentTypeVersion="12" ma:contentTypeDescription="Create a new document." ma:contentTypeScope="" ma:versionID="a410dd7f93c95333ffa1b60ed6adedd1">
   <xsd:schema xmlns:xsd="http://www.w3.org/2001/XMLSchema" xmlns:xs="http://www.w3.org/2001/XMLSchema" xmlns:p="http://schemas.microsoft.com/office/2006/metadata/properties" xmlns:ns2="71af3243-3dd4-4a8d-8c0d-dd76da1f02a5" xmlns:ns3="16c05727-aa75-4e4a-9b5f-8a80a1165891" targetNamespace="http://schemas.microsoft.com/office/2006/metadata/properties" ma:root="true" ma:fieldsID="a936d9baba76aa3866493feff160faab" ns2:_="" ns3:_="">
     <xsd:import namespace="71af3243-3dd4-4a8d-8c0d-dd76da1f02a5"/>
@@ -7111,25 +7429,25 @@
 </ct:contentTypeSchema>
 </file>
 
-<file path=customXml/item2.xml><?xml version="1.0" encoding="utf-8"?>
-<p:properties xmlns:p="http://schemas.microsoft.com/office/2006/metadata/properties" xmlns:xsi="http://www.w3.org/2001/XMLSchema-instance" xmlns:pc="http://schemas.microsoft.com/office/infopath/2007/PartnerControls">
-  <documentManagement>
-    <Status xmlns="71af3243-3dd4-4a8d-8c0d-dd76da1f02a5">Not started</Status>
-    <MediaServiceKeyPoints xmlns="71af3243-3dd4-4a8d-8c0d-dd76da1f02a5" xsi:nil="true"/>
-  </documentManagement>
-</p:properties>
+<file path=customXml/itemProps1.xml><?xml version="1.0" encoding="utf-8"?>
+<ds:datastoreItem xmlns:ds="http://schemas.openxmlformats.org/officeDocument/2006/customXml" ds:itemID="{31F006B4-A9E1-4F39-85C8-FB836F919348}">
+  <ds:schemaRefs>
+    <ds:schemaRef ds:uri="http://schemas.microsoft.com/sharepoint/v3/contenttype/forms"/>
+  </ds:schemaRefs>
+</ds:datastoreItem>
 </file>
 
-<file path=customXml/item3.xml><?xml version="1.0" encoding="utf-8"?>
-<?mso-contentType ?>
-<FormTemplates xmlns="http://schemas.microsoft.com/sharepoint/v3/contenttype/forms">
-  <Display>DocumentLibraryForm</Display>
-  <Edit>DocumentLibraryForm</Edit>
-  <New>DocumentLibraryForm</New>
-</FormTemplates>
+<file path=customXml/itemProps2.xml><?xml version="1.0" encoding="utf-8"?>
+<ds:datastoreItem xmlns:ds="http://schemas.openxmlformats.org/officeDocument/2006/customXml" ds:itemID="{8F3CD65D-61A5-43C9-A837-6EC73C7DA8AB}">
+  <ds:schemaRefs>
+    <ds:schemaRef ds:uri="http://schemas.microsoft.com/office/2006/metadata/properties"/>
+    <ds:schemaRef ds:uri="http://schemas.microsoft.com/office/infopath/2007/PartnerControls"/>
+    <ds:schemaRef ds:uri="71af3243-3dd4-4a8d-8c0d-dd76da1f02a5"/>
+  </ds:schemaRefs>
+</ds:datastoreItem>
 </file>
 
-<file path=customXml/itemProps1.xml><?xml version="1.0" encoding="utf-8"?>
+<file path=customXml/itemProps3.xml><?xml version="1.0" encoding="utf-8"?>
 <ds:datastoreItem xmlns:ds="http://schemas.openxmlformats.org/officeDocument/2006/customXml" ds:itemID="{16377351-63A1-4C2E-8C9A-66CDD70F16AC}">
   <ds:schemaRefs>
     <ds:schemaRef ds:uri="http://schemas.microsoft.com/office/2006/metadata/contentType"/>
@@ -7146,22 +7464,4 @@
     <ds:schemaRef ds:uri="http://schemas.microsoft.com/internal/obd"/>
   </ds:schemaRefs>
 </ds:datastoreItem>
-</file>
-
-<file path=customXml/itemProps2.xml><?xml version="1.0" encoding="utf-8"?>
-<ds:datastoreItem xmlns:ds="http://schemas.openxmlformats.org/officeDocument/2006/customXml" ds:itemID="{8F3CD65D-61A5-43C9-A837-6EC73C7DA8AB}">
-  <ds:schemaRefs>
-    <ds:schemaRef ds:uri="http://schemas.microsoft.com/office/2006/metadata/properties"/>
-    <ds:schemaRef ds:uri="http://schemas.microsoft.com/office/infopath/2007/PartnerControls"/>
-    <ds:schemaRef ds:uri="71af3243-3dd4-4a8d-8c0d-dd76da1f02a5"/>
-  </ds:schemaRefs>
-</ds:datastoreItem>
-</file>
-
-<file path=customXml/itemProps3.xml><?xml version="1.0" encoding="utf-8"?>
-<ds:datastoreItem xmlns:ds="http://schemas.openxmlformats.org/officeDocument/2006/customXml" ds:itemID="{31F006B4-A9E1-4F39-85C8-FB836F919348}">
-  <ds:schemaRefs>
-    <ds:schemaRef ds:uri="http://schemas.microsoft.com/sharepoint/v3/contenttype/forms"/>
-  </ds:schemaRefs>
-</ds:datastoreItem>
 </file>